--- a/development/greenearthnet/presentations/Site2.pptx
+++ b/development/greenearthnet/presentations/Site2.pptx
@@ -266,7 +266,7 @@
           <a:p>
             <a:fld id="{14D6D9EF-CE1C-4ACE-B43A-095A88614771}" type="datetimeFigureOut">
               <a:rPr lang="en-CA" smtClean="0"/>
-              <a:t>2025-10-07</a:t>
+              <a:t>2025-10-08</a:t>
             </a:fld>
             <a:endParaRPr lang="en-CA"/>
           </a:p>
@@ -466,7 +466,7 @@
           <a:p>
             <a:fld id="{14D6D9EF-CE1C-4ACE-B43A-095A88614771}" type="datetimeFigureOut">
               <a:rPr lang="en-CA" smtClean="0"/>
-              <a:t>2025-10-07</a:t>
+              <a:t>2025-10-08</a:t>
             </a:fld>
             <a:endParaRPr lang="en-CA"/>
           </a:p>
@@ -676,7 +676,7 @@
           <a:p>
             <a:fld id="{14D6D9EF-CE1C-4ACE-B43A-095A88614771}" type="datetimeFigureOut">
               <a:rPr lang="en-CA" smtClean="0"/>
-              <a:t>2025-10-07</a:t>
+              <a:t>2025-10-08</a:t>
             </a:fld>
             <a:endParaRPr lang="en-CA"/>
           </a:p>
@@ -876,7 +876,7 @@
           <a:p>
             <a:fld id="{14D6D9EF-CE1C-4ACE-B43A-095A88614771}" type="datetimeFigureOut">
               <a:rPr lang="en-CA" smtClean="0"/>
-              <a:t>2025-10-07</a:t>
+              <a:t>2025-10-08</a:t>
             </a:fld>
             <a:endParaRPr lang="en-CA"/>
           </a:p>
@@ -1152,7 +1152,7 @@
           <a:p>
             <a:fld id="{14D6D9EF-CE1C-4ACE-B43A-095A88614771}" type="datetimeFigureOut">
               <a:rPr lang="en-CA" smtClean="0"/>
-              <a:t>2025-10-07</a:t>
+              <a:t>2025-10-08</a:t>
             </a:fld>
             <a:endParaRPr lang="en-CA"/>
           </a:p>
@@ -1420,7 +1420,7 @@
           <a:p>
             <a:fld id="{14D6D9EF-CE1C-4ACE-B43A-095A88614771}" type="datetimeFigureOut">
               <a:rPr lang="en-CA" smtClean="0"/>
-              <a:t>2025-10-07</a:t>
+              <a:t>2025-10-08</a:t>
             </a:fld>
             <a:endParaRPr lang="en-CA"/>
           </a:p>
@@ -1835,7 +1835,7 @@
           <a:p>
             <a:fld id="{14D6D9EF-CE1C-4ACE-B43A-095A88614771}" type="datetimeFigureOut">
               <a:rPr lang="en-CA" smtClean="0"/>
-              <a:t>2025-10-07</a:t>
+              <a:t>2025-10-08</a:t>
             </a:fld>
             <a:endParaRPr lang="en-CA"/>
           </a:p>
@@ -1977,7 +1977,7 @@
           <a:p>
             <a:fld id="{14D6D9EF-CE1C-4ACE-B43A-095A88614771}" type="datetimeFigureOut">
               <a:rPr lang="en-CA" smtClean="0"/>
-              <a:t>2025-10-07</a:t>
+              <a:t>2025-10-08</a:t>
             </a:fld>
             <a:endParaRPr lang="en-CA"/>
           </a:p>
@@ -2090,7 +2090,7 @@
           <a:p>
             <a:fld id="{14D6D9EF-CE1C-4ACE-B43A-095A88614771}" type="datetimeFigureOut">
               <a:rPr lang="en-CA" smtClean="0"/>
-              <a:t>2025-10-07</a:t>
+              <a:t>2025-10-08</a:t>
             </a:fld>
             <a:endParaRPr lang="en-CA"/>
           </a:p>
@@ -2403,7 +2403,7 @@
           <a:p>
             <a:fld id="{14D6D9EF-CE1C-4ACE-B43A-095A88614771}" type="datetimeFigureOut">
               <a:rPr lang="en-CA" smtClean="0"/>
-              <a:t>2025-10-07</a:t>
+              <a:t>2025-10-08</a:t>
             </a:fld>
             <a:endParaRPr lang="en-CA"/>
           </a:p>
@@ -2692,7 +2692,7 @@
           <a:p>
             <a:fld id="{14D6D9EF-CE1C-4ACE-B43A-095A88614771}" type="datetimeFigureOut">
               <a:rPr lang="en-CA" smtClean="0"/>
-              <a:t>2025-10-07</a:t>
+              <a:t>2025-10-08</a:t>
             </a:fld>
             <a:endParaRPr lang="en-CA"/>
           </a:p>
@@ -2935,7 +2935,7 @@
           <a:p>
             <a:fld id="{14D6D9EF-CE1C-4ACE-B43A-095A88614771}" type="datetimeFigureOut">
               <a:rPr lang="en-CA" smtClean="0"/>
-              <a:t>2025-10-07</a:t>
+              <a:t>2025-10-08</a:t>
             </a:fld>
             <a:endParaRPr lang="en-CA"/>
           </a:p>
@@ -3028,6 +3028,56 @@
               <a:t>‹#›</a:t>
             </a:fld>
             <a:endParaRPr lang="en-CA"/>
+          </a:p>
+        </p:txBody>
+      </p:sp>
+      <p:sp>
+        <p:nvSpPr>
+          <p:cNvPr id="8" name="TextBox 7">
+            <a:extLst>
+              <a:ext uri="{FF2B5EF4-FFF2-40B4-BE49-F238E27FC236}">
+                <a16:creationId xmlns:a16="http://schemas.microsoft.com/office/drawing/2014/main" id="{67F77BD0-DA73-8CFF-DA65-FE11135CF40B}"/>
+              </a:ext>
+            </a:extLst>
+          </p:cNvPr>
+          <p:cNvSpPr txBox="1"/>
+          <p:nvPr userDrawn="1">
+            <p:extLst>
+              <p:ext uri="{1162E1C5-73C7-4A58-AE30-91384D911F3F}">
+                <p184:classification xmlns:p184="http://schemas.microsoft.com/office/powerpoint/2018/4/main" val="hdr"/>
+              </p:ext>
+            </p:extLst>
+          </p:nvPr>
+        </p:nvSpPr>
+        <p:spPr>
+          <a:xfrm>
+            <a:off x="10201275" y="63500"/>
+            <a:ext cx="1962150" cy="182880"/>
+          </a:xfrm>
+          <a:prstGeom prst="rect">
+            <a:avLst/>
+          </a:prstGeom>
+        </p:spPr>
+        <p:txBody>
+          <a:bodyPr horzOverflow="overflow" lIns="0" tIns="0" rIns="0" bIns="0">
+            <a:spAutoFit/>
+          </a:bodyPr>
+          <a:lstStyle/>
+          <a:p>
+            <a:pPr algn="l"/>
+            <a:r>
+              <a:rPr lang="en-CA" sz="1200">
+                <a:solidFill>
+                  <a:srgbClr val="000000">
+                    <a:alpha val="50000"/>
+                  </a:srgbClr>
+                </a:solidFill>
+                <a:latin typeface="Calibri" panose="020F0502020204030204" pitchFamily="34" charset="0"/>
+                <a:ea typeface="Calibri" panose="020F0502020204030204" pitchFamily="34" charset="0"/>
+                <a:cs typeface="Calibri" panose="020F0502020204030204" pitchFamily="34" charset="0"/>
+              </a:rPr>
+              <a:t>UNCLASSIFIED - NON CLASSIFIÉ</a:t>
+            </a:r>
           </a:p>
         </p:txBody>
       </p:sp>
@@ -5340,4 +5390,10 @@
     </a:ext>
   </a:extLst>
 </a:theme>
+</file>
+
+<file path=docMetadata/LabelInfo.xml><?xml version="1.0" encoding="utf-8"?>
+<clbl:labelList xmlns:clbl="http://schemas.microsoft.com/office/2020/mipLabelMetadata">
+  <clbl:label id="{219619fd-75dc-48cb-820d-8f683a95dd8b}" enabled="1" method="Privileged" siteId="{05c95b33-90ca-49d5-b644-288b930b912b}" contentBits="1" removed="0"/>
+</clbl:labelList>
 </file>